--- a/Documents/Project report Vero/figures/APA_analysis/axesFP.pptx
+++ b/Documents/Project report Vero/figures/APA_analysis/axesFP.pptx
@@ -288,7 +288,7 @@
           <a:p>
             <a:fld id="{0835606E-567B-4A60-9BAE-353B30461873}" type="datetimeFigureOut">
               <a:rPr lang="es-ES" smtClean="0"/>
-              <a:t>18/05/2015</a:t>
+              <a:t>24/05/2015</a:t>
             </a:fld>
             <a:endParaRPr lang="es-ES"/>
           </a:p>
@@ -458,7 +458,7 @@
           <a:p>
             <a:fld id="{0835606E-567B-4A60-9BAE-353B30461873}" type="datetimeFigureOut">
               <a:rPr lang="es-ES" smtClean="0"/>
-              <a:t>18/05/2015</a:t>
+              <a:t>24/05/2015</a:t>
             </a:fld>
             <a:endParaRPr lang="es-ES"/>
           </a:p>
@@ -638,7 +638,7 @@
           <a:p>
             <a:fld id="{0835606E-567B-4A60-9BAE-353B30461873}" type="datetimeFigureOut">
               <a:rPr lang="es-ES" smtClean="0"/>
-              <a:t>18/05/2015</a:t>
+              <a:t>24/05/2015</a:t>
             </a:fld>
             <a:endParaRPr lang="es-ES"/>
           </a:p>
@@ -808,7 +808,7 @@
           <a:p>
             <a:fld id="{0835606E-567B-4A60-9BAE-353B30461873}" type="datetimeFigureOut">
               <a:rPr lang="es-ES" smtClean="0"/>
-              <a:t>18/05/2015</a:t>
+              <a:t>24/05/2015</a:t>
             </a:fld>
             <a:endParaRPr lang="es-ES"/>
           </a:p>
@@ -1054,7 +1054,7 @@
           <a:p>
             <a:fld id="{0835606E-567B-4A60-9BAE-353B30461873}" type="datetimeFigureOut">
               <a:rPr lang="es-ES" smtClean="0"/>
-              <a:t>18/05/2015</a:t>
+              <a:t>24/05/2015</a:t>
             </a:fld>
             <a:endParaRPr lang="es-ES"/>
           </a:p>
@@ -1342,7 +1342,7 @@
           <a:p>
             <a:fld id="{0835606E-567B-4A60-9BAE-353B30461873}" type="datetimeFigureOut">
               <a:rPr lang="es-ES" smtClean="0"/>
-              <a:t>18/05/2015</a:t>
+              <a:t>24/05/2015</a:t>
             </a:fld>
             <a:endParaRPr lang="es-ES"/>
           </a:p>
@@ -1764,7 +1764,7 @@
           <a:p>
             <a:fld id="{0835606E-567B-4A60-9BAE-353B30461873}" type="datetimeFigureOut">
               <a:rPr lang="es-ES" smtClean="0"/>
-              <a:t>18/05/2015</a:t>
+              <a:t>24/05/2015</a:t>
             </a:fld>
             <a:endParaRPr lang="es-ES"/>
           </a:p>
@@ -1882,7 +1882,7 @@
           <a:p>
             <a:fld id="{0835606E-567B-4A60-9BAE-353B30461873}" type="datetimeFigureOut">
               <a:rPr lang="es-ES" smtClean="0"/>
-              <a:t>18/05/2015</a:t>
+              <a:t>24/05/2015</a:t>
             </a:fld>
             <a:endParaRPr lang="es-ES"/>
           </a:p>
@@ -1977,7 +1977,7 @@
           <a:p>
             <a:fld id="{0835606E-567B-4A60-9BAE-353B30461873}" type="datetimeFigureOut">
               <a:rPr lang="es-ES" smtClean="0"/>
-              <a:t>18/05/2015</a:t>
+              <a:t>24/05/2015</a:t>
             </a:fld>
             <a:endParaRPr lang="es-ES"/>
           </a:p>
@@ -2254,7 +2254,7 @@
           <a:p>
             <a:fld id="{0835606E-567B-4A60-9BAE-353B30461873}" type="datetimeFigureOut">
               <a:rPr lang="es-ES" smtClean="0"/>
-              <a:t>18/05/2015</a:t>
+              <a:t>24/05/2015</a:t>
             </a:fld>
             <a:endParaRPr lang="es-ES"/>
           </a:p>
@@ -2507,7 +2507,7 @@
           <a:p>
             <a:fld id="{0835606E-567B-4A60-9BAE-353B30461873}" type="datetimeFigureOut">
               <a:rPr lang="es-ES" smtClean="0"/>
-              <a:t>18/05/2015</a:t>
+              <a:t>24/05/2015</a:t>
             </a:fld>
             <a:endParaRPr lang="es-ES"/>
           </a:p>
@@ -2720,7 +2720,7 @@
           <a:p>
             <a:fld id="{0835606E-567B-4A60-9BAE-353B30461873}" type="datetimeFigureOut">
               <a:rPr lang="es-ES" smtClean="0"/>
-              <a:t>18/05/2015</a:t>
+              <a:t>24/05/2015</a:t>
             </a:fld>
             <a:endParaRPr lang="es-ES"/>
           </a:p>
@@ -3606,14 +3606,14 @@
           <a:lstStyle/>
           <a:p>
             <a:r>
-              <a:rPr lang="es-ES" b="1" dirty="0" smtClean="0">
+              <a:rPr lang="es-ES" b="1" dirty="0">
                 <a:solidFill>
                   <a:schemeClr val="bg1">
                     <a:lumMod val="50000"/>
                   </a:schemeClr>
                 </a:solidFill>
               </a:rPr>
-              <a:t>+</a:t>
+              <a:t>-</a:t>
             </a:r>
             <a:endParaRPr lang="es-ES" b="1" dirty="0">
               <a:solidFill>
@@ -3648,14 +3648,14 @@
           <a:lstStyle/>
           <a:p>
             <a:r>
-              <a:rPr lang="es-ES" b="1" dirty="0">
+              <a:rPr lang="es-ES" b="1" dirty="0" smtClean="0">
                 <a:solidFill>
                   <a:schemeClr val="bg1">
                     <a:lumMod val="50000"/>
                   </a:schemeClr>
                 </a:solidFill>
               </a:rPr>
-              <a:t>-</a:t>
+              <a:t>+</a:t>
             </a:r>
             <a:endParaRPr lang="es-ES" b="1" dirty="0">
               <a:solidFill>

--- a/Documents/Project report Vero/figures/APA_analysis/axesFP.pptx
+++ b/Documents/Project report Vero/figures/APA_analysis/axesFP.pptx
@@ -7,14 +7,14 @@
   <p:sldIdLst>
     <p:sldId id="256" r:id="rId2"/>
   </p:sldIdLst>
-  <p:sldSz cx="9144000" cy="6858000" type="screen4x3"/>
+  <p:sldSz cx="6840538" cy="4679950"/>
   <p:notesSz cx="6858000" cy="9144000"/>
   <p:defaultTextStyle>
     <a:defPPr>
       <a:defRPr lang="es-ES"/>
     </a:defPPr>
-    <a:lvl1pPr marL="0" algn="l" defTabSz="914400" rtl="0" eaLnBrk="1" latinLnBrk="0" hangingPunct="1">
-      <a:defRPr sz="1800" kern="1200">
+    <a:lvl1pPr marL="0" algn="l" defTabSz="658306" rtl="0" eaLnBrk="1" latinLnBrk="0" hangingPunct="1">
+      <a:defRPr sz="1300" kern="1200">
         <a:solidFill>
           <a:schemeClr val="tx1"/>
         </a:solidFill>
@@ -23,8 +23,8 @@
         <a:cs typeface="+mn-cs"/>
       </a:defRPr>
     </a:lvl1pPr>
-    <a:lvl2pPr marL="457200" algn="l" defTabSz="914400" rtl="0" eaLnBrk="1" latinLnBrk="0" hangingPunct="1">
-      <a:defRPr sz="1800" kern="1200">
+    <a:lvl2pPr marL="329153" algn="l" defTabSz="658306" rtl="0" eaLnBrk="1" latinLnBrk="0" hangingPunct="1">
+      <a:defRPr sz="1300" kern="1200">
         <a:solidFill>
           <a:schemeClr val="tx1"/>
         </a:solidFill>
@@ -33,8 +33,8 @@
         <a:cs typeface="+mn-cs"/>
       </a:defRPr>
     </a:lvl2pPr>
-    <a:lvl3pPr marL="914400" algn="l" defTabSz="914400" rtl="0" eaLnBrk="1" latinLnBrk="0" hangingPunct="1">
-      <a:defRPr sz="1800" kern="1200">
+    <a:lvl3pPr marL="658306" algn="l" defTabSz="658306" rtl="0" eaLnBrk="1" latinLnBrk="0" hangingPunct="1">
+      <a:defRPr sz="1300" kern="1200">
         <a:solidFill>
           <a:schemeClr val="tx1"/>
         </a:solidFill>
@@ -43,8 +43,8 @@
         <a:cs typeface="+mn-cs"/>
       </a:defRPr>
     </a:lvl3pPr>
-    <a:lvl4pPr marL="1371600" algn="l" defTabSz="914400" rtl="0" eaLnBrk="1" latinLnBrk="0" hangingPunct="1">
-      <a:defRPr sz="1800" kern="1200">
+    <a:lvl4pPr marL="987459" algn="l" defTabSz="658306" rtl="0" eaLnBrk="1" latinLnBrk="0" hangingPunct="1">
+      <a:defRPr sz="1300" kern="1200">
         <a:solidFill>
           <a:schemeClr val="tx1"/>
         </a:solidFill>
@@ -53,8 +53,8 @@
         <a:cs typeface="+mn-cs"/>
       </a:defRPr>
     </a:lvl4pPr>
-    <a:lvl5pPr marL="1828800" algn="l" defTabSz="914400" rtl="0" eaLnBrk="1" latinLnBrk="0" hangingPunct="1">
-      <a:defRPr sz="1800" kern="1200">
+    <a:lvl5pPr marL="1316613" algn="l" defTabSz="658306" rtl="0" eaLnBrk="1" latinLnBrk="0" hangingPunct="1">
+      <a:defRPr sz="1300" kern="1200">
         <a:solidFill>
           <a:schemeClr val="tx1"/>
         </a:solidFill>
@@ -63,8 +63,8 @@
         <a:cs typeface="+mn-cs"/>
       </a:defRPr>
     </a:lvl5pPr>
-    <a:lvl6pPr marL="2286000" algn="l" defTabSz="914400" rtl="0" eaLnBrk="1" latinLnBrk="0" hangingPunct="1">
-      <a:defRPr sz="1800" kern="1200">
+    <a:lvl6pPr marL="1645766" algn="l" defTabSz="658306" rtl="0" eaLnBrk="1" latinLnBrk="0" hangingPunct="1">
+      <a:defRPr sz="1300" kern="1200">
         <a:solidFill>
           <a:schemeClr val="tx1"/>
         </a:solidFill>
@@ -73,8 +73,8 @@
         <a:cs typeface="+mn-cs"/>
       </a:defRPr>
     </a:lvl6pPr>
-    <a:lvl7pPr marL="2743200" algn="l" defTabSz="914400" rtl="0" eaLnBrk="1" latinLnBrk="0" hangingPunct="1">
-      <a:defRPr sz="1800" kern="1200">
+    <a:lvl7pPr marL="1974919" algn="l" defTabSz="658306" rtl="0" eaLnBrk="1" latinLnBrk="0" hangingPunct="1">
+      <a:defRPr sz="1300" kern="1200">
         <a:solidFill>
           <a:schemeClr val="tx1"/>
         </a:solidFill>
@@ -83,8 +83,8 @@
         <a:cs typeface="+mn-cs"/>
       </a:defRPr>
     </a:lvl7pPr>
-    <a:lvl8pPr marL="3200400" algn="l" defTabSz="914400" rtl="0" eaLnBrk="1" latinLnBrk="0" hangingPunct="1">
-      <a:defRPr sz="1800" kern="1200">
+    <a:lvl8pPr marL="2304072" algn="l" defTabSz="658306" rtl="0" eaLnBrk="1" latinLnBrk="0" hangingPunct="1">
+      <a:defRPr sz="1300" kern="1200">
         <a:solidFill>
           <a:schemeClr val="tx1"/>
         </a:solidFill>
@@ -93,8 +93,8 @@
         <a:cs typeface="+mn-cs"/>
       </a:defRPr>
     </a:lvl8pPr>
-    <a:lvl9pPr marL="3657600" algn="l" defTabSz="914400" rtl="0" eaLnBrk="1" latinLnBrk="0" hangingPunct="1">
-      <a:defRPr sz="1800" kern="1200">
+    <a:lvl9pPr marL="2633225" algn="l" defTabSz="658306" rtl="0" eaLnBrk="1" latinLnBrk="0" hangingPunct="1">
+      <a:defRPr sz="1300" kern="1200">
         <a:solidFill>
           <a:schemeClr val="tx1"/>
         </a:solidFill>
@@ -136,8 +136,8 @@
         </p:nvSpPr>
         <p:spPr>
           <a:xfrm>
-            <a:off x="685800" y="2130425"/>
-            <a:ext cx="7772400" cy="1470025"/>
+            <a:off x="513041" y="1453819"/>
+            <a:ext cx="5814457" cy="1003156"/>
           </a:xfrm>
         </p:spPr>
         <p:txBody>
@@ -164,8 +164,8 @@
         </p:nvSpPr>
         <p:spPr>
           <a:xfrm>
-            <a:off x="1371600" y="3886200"/>
-            <a:ext cx="6400800" cy="1752600"/>
+            <a:off x="1026081" y="2651971"/>
+            <a:ext cx="4788377" cy="1195988"/>
           </a:xfrm>
         </p:spPr>
         <p:txBody>
@@ -181,7 +181,7 @@
                 </a:solidFill>
               </a:defRPr>
             </a:lvl1pPr>
-            <a:lvl2pPr marL="457200" indent="0" algn="ctr">
+            <a:lvl2pPr marL="329153" indent="0" algn="ctr">
               <a:buNone/>
               <a:defRPr>
                 <a:solidFill>
@@ -191,7 +191,7 @@
                 </a:solidFill>
               </a:defRPr>
             </a:lvl2pPr>
-            <a:lvl3pPr marL="914400" indent="0" algn="ctr">
+            <a:lvl3pPr marL="658306" indent="0" algn="ctr">
               <a:buNone/>
               <a:defRPr>
                 <a:solidFill>
@@ -201,7 +201,7 @@
                 </a:solidFill>
               </a:defRPr>
             </a:lvl3pPr>
-            <a:lvl4pPr marL="1371600" indent="0" algn="ctr">
+            <a:lvl4pPr marL="987459" indent="0" algn="ctr">
               <a:buNone/>
               <a:defRPr>
                 <a:solidFill>
@@ -211,7 +211,7 @@
                 </a:solidFill>
               </a:defRPr>
             </a:lvl4pPr>
-            <a:lvl5pPr marL="1828800" indent="0" algn="ctr">
+            <a:lvl5pPr marL="1316613" indent="0" algn="ctr">
               <a:buNone/>
               <a:defRPr>
                 <a:solidFill>
@@ -221,7 +221,7 @@
                 </a:solidFill>
               </a:defRPr>
             </a:lvl5pPr>
-            <a:lvl6pPr marL="2286000" indent="0" algn="ctr">
+            <a:lvl6pPr marL="1645766" indent="0" algn="ctr">
               <a:buNone/>
               <a:defRPr>
                 <a:solidFill>
@@ -231,7 +231,7 @@
                 </a:solidFill>
               </a:defRPr>
             </a:lvl6pPr>
-            <a:lvl7pPr marL="2743200" indent="0" algn="ctr">
+            <a:lvl7pPr marL="1974919" indent="0" algn="ctr">
               <a:buNone/>
               <a:defRPr>
                 <a:solidFill>
@@ -241,7 +241,7 @@
                 </a:solidFill>
               </a:defRPr>
             </a:lvl7pPr>
-            <a:lvl8pPr marL="3200400" indent="0" algn="ctr">
+            <a:lvl8pPr marL="2304072" indent="0" algn="ctr">
               <a:buNone/>
               <a:defRPr>
                 <a:solidFill>
@@ -251,7 +251,7 @@
                 </a:solidFill>
               </a:defRPr>
             </a:lvl8pPr>
-            <a:lvl9pPr marL="3657600" indent="0" algn="ctr">
+            <a:lvl9pPr marL="2633225" indent="0" algn="ctr">
               <a:buNone/>
               <a:defRPr>
                 <a:solidFill>
@@ -288,7 +288,7 @@
           <a:p>
             <a:fld id="{0835606E-567B-4A60-9BAE-353B30461873}" type="datetimeFigureOut">
               <a:rPr lang="es-ES" smtClean="0"/>
-              <a:t>24/05/2015</a:t>
+              <a:t>03/07/2015</a:t>
             </a:fld>
             <a:endParaRPr lang="es-ES"/>
           </a:p>
@@ -458,7 +458,7 @@
           <a:p>
             <a:fld id="{0835606E-567B-4A60-9BAE-353B30461873}" type="datetimeFigureOut">
               <a:rPr lang="es-ES" smtClean="0"/>
-              <a:t>24/05/2015</a:t>
+              <a:t>03/07/2015</a:t>
             </a:fld>
             <a:endParaRPr lang="es-ES"/>
           </a:p>
@@ -548,8 +548,8 @@
         </p:nvSpPr>
         <p:spPr>
           <a:xfrm>
-            <a:off x="6629400" y="274638"/>
-            <a:ext cx="2057400" cy="5851525"/>
+            <a:off x="4959390" y="187416"/>
+            <a:ext cx="1539122" cy="3993124"/>
           </a:xfrm>
         </p:spPr>
         <p:txBody>
@@ -576,8 +576,8 @@
         </p:nvSpPr>
         <p:spPr>
           <a:xfrm>
-            <a:off x="457200" y="274638"/>
-            <a:ext cx="6019800" cy="5851525"/>
+            <a:off x="342027" y="187416"/>
+            <a:ext cx="4503355" cy="3993124"/>
           </a:xfrm>
         </p:spPr>
         <p:txBody>
@@ -638,7 +638,7 @@
           <a:p>
             <a:fld id="{0835606E-567B-4A60-9BAE-353B30461873}" type="datetimeFigureOut">
               <a:rPr lang="es-ES" smtClean="0"/>
-              <a:t>24/05/2015</a:t>
+              <a:t>03/07/2015</a:t>
             </a:fld>
             <a:endParaRPr lang="es-ES"/>
           </a:p>
@@ -808,7 +808,7 @@
           <a:p>
             <a:fld id="{0835606E-567B-4A60-9BAE-353B30461873}" type="datetimeFigureOut">
               <a:rPr lang="es-ES" smtClean="0"/>
-              <a:t>24/05/2015</a:t>
+              <a:t>03/07/2015</a:t>
             </a:fld>
             <a:endParaRPr lang="es-ES"/>
           </a:p>
@@ -898,15 +898,15 @@
         </p:nvSpPr>
         <p:spPr>
           <a:xfrm>
-            <a:off x="722313" y="4406900"/>
-            <a:ext cx="7772400" cy="1362075"/>
+            <a:off x="540356" y="3007301"/>
+            <a:ext cx="5814457" cy="929490"/>
           </a:xfrm>
         </p:spPr>
         <p:txBody>
           <a:bodyPr anchor="t"/>
           <a:lstStyle>
             <a:lvl1pPr algn="l">
-              <a:defRPr sz="4000" b="1" cap="all"/>
+              <a:defRPr sz="2900" b="1" cap="all"/>
             </a:lvl1pPr>
           </a:lstStyle>
           <a:p>
@@ -930,8 +930,8 @@
         </p:nvSpPr>
         <p:spPr>
           <a:xfrm>
-            <a:off x="722313" y="2906713"/>
-            <a:ext cx="7772400" cy="1500187"/>
+            <a:off x="540356" y="1983564"/>
+            <a:ext cx="5814457" cy="1023738"/>
           </a:xfrm>
         </p:spPr>
         <p:txBody>
@@ -939,7 +939,7 @@
           <a:lstStyle>
             <a:lvl1pPr marL="0" indent="0">
               <a:buNone/>
-              <a:defRPr sz="2000">
+              <a:defRPr sz="1500">
                 <a:solidFill>
                   <a:schemeClr val="tx1">
                     <a:tint val="75000"/>
@@ -947,9 +947,9 @@
                 </a:solidFill>
               </a:defRPr>
             </a:lvl1pPr>
-            <a:lvl2pPr marL="457200" indent="0">
-              <a:buNone/>
-              <a:defRPr sz="1800">
+            <a:lvl2pPr marL="329153" indent="0">
+              <a:buNone/>
+              <a:defRPr sz="1300">
                 <a:solidFill>
                   <a:schemeClr val="tx1">
                     <a:tint val="75000"/>
@@ -957,9 +957,9 @@
                 </a:solidFill>
               </a:defRPr>
             </a:lvl2pPr>
-            <a:lvl3pPr marL="914400" indent="0">
-              <a:buNone/>
-              <a:defRPr sz="1600">
+            <a:lvl3pPr marL="658306" indent="0">
+              <a:buNone/>
+              <a:defRPr sz="1200">
                 <a:solidFill>
                   <a:schemeClr val="tx1">
                     <a:tint val="75000"/>
@@ -967,9 +967,9 @@
                 </a:solidFill>
               </a:defRPr>
             </a:lvl3pPr>
-            <a:lvl4pPr marL="1371600" indent="0">
-              <a:buNone/>
-              <a:defRPr sz="1400">
+            <a:lvl4pPr marL="987459" indent="0">
+              <a:buNone/>
+              <a:defRPr sz="1000">
                 <a:solidFill>
                   <a:schemeClr val="tx1">
                     <a:tint val="75000"/>
@@ -977,9 +977,9 @@
                 </a:solidFill>
               </a:defRPr>
             </a:lvl4pPr>
-            <a:lvl5pPr marL="1828800" indent="0">
-              <a:buNone/>
-              <a:defRPr sz="1400">
+            <a:lvl5pPr marL="1316613" indent="0">
+              <a:buNone/>
+              <a:defRPr sz="1000">
                 <a:solidFill>
                   <a:schemeClr val="tx1">
                     <a:tint val="75000"/>
@@ -987,9 +987,9 @@
                 </a:solidFill>
               </a:defRPr>
             </a:lvl5pPr>
-            <a:lvl6pPr marL="2286000" indent="0">
-              <a:buNone/>
-              <a:defRPr sz="1400">
+            <a:lvl6pPr marL="1645766" indent="0">
+              <a:buNone/>
+              <a:defRPr sz="1000">
                 <a:solidFill>
                   <a:schemeClr val="tx1">
                     <a:tint val="75000"/>
@@ -997,9 +997,9 @@
                 </a:solidFill>
               </a:defRPr>
             </a:lvl6pPr>
-            <a:lvl7pPr marL="2743200" indent="0">
-              <a:buNone/>
-              <a:defRPr sz="1400">
+            <a:lvl7pPr marL="1974919" indent="0">
+              <a:buNone/>
+              <a:defRPr sz="1000">
                 <a:solidFill>
                   <a:schemeClr val="tx1">
                     <a:tint val="75000"/>
@@ -1007,9 +1007,9 @@
                 </a:solidFill>
               </a:defRPr>
             </a:lvl7pPr>
-            <a:lvl8pPr marL="3200400" indent="0">
-              <a:buNone/>
-              <a:defRPr sz="1400">
+            <a:lvl8pPr marL="2304072" indent="0">
+              <a:buNone/>
+              <a:defRPr sz="1000">
                 <a:solidFill>
                   <a:schemeClr val="tx1">
                     <a:tint val="75000"/>
@@ -1017,9 +1017,9 @@
                 </a:solidFill>
               </a:defRPr>
             </a:lvl8pPr>
-            <a:lvl9pPr marL="3657600" indent="0">
-              <a:buNone/>
-              <a:defRPr sz="1400">
+            <a:lvl9pPr marL="2633225" indent="0">
+              <a:buNone/>
+              <a:defRPr sz="1000">
                 <a:solidFill>
                   <a:schemeClr val="tx1">
                     <a:tint val="75000"/>
@@ -1054,7 +1054,7 @@
           <a:p>
             <a:fld id="{0835606E-567B-4A60-9BAE-353B30461873}" type="datetimeFigureOut">
               <a:rPr lang="es-ES" smtClean="0"/>
-              <a:t>24/05/2015</a:t>
+              <a:t>03/07/2015</a:t>
             </a:fld>
             <a:endParaRPr lang="es-ES"/>
           </a:p>
@@ -1167,39 +1167,39 @@
         </p:nvSpPr>
         <p:spPr>
           <a:xfrm>
-            <a:off x="457200" y="1600200"/>
-            <a:ext cx="4038600" cy="4525963"/>
+            <a:off x="342027" y="1091989"/>
+            <a:ext cx="3021238" cy="3088551"/>
           </a:xfrm>
         </p:spPr>
         <p:txBody>
           <a:bodyPr/>
           <a:lstStyle>
             <a:lvl1pPr>
-              <a:defRPr sz="2800"/>
+              <a:defRPr sz="2000"/>
             </a:lvl1pPr>
             <a:lvl2pPr>
-              <a:defRPr sz="2400"/>
+              <a:defRPr sz="1700"/>
             </a:lvl2pPr>
             <a:lvl3pPr>
-              <a:defRPr sz="2000"/>
+              <a:defRPr sz="1500"/>
             </a:lvl3pPr>
             <a:lvl4pPr>
-              <a:defRPr sz="1800"/>
+              <a:defRPr sz="1300"/>
             </a:lvl4pPr>
             <a:lvl5pPr>
-              <a:defRPr sz="1800"/>
+              <a:defRPr sz="1300"/>
             </a:lvl5pPr>
             <a:lvl6pPr>
-              <a:defRPr sz="1800"/>
+              <a:defRPr sz="1300"/>
             </a:lvl6pPr>
             <a:lvl7pPr>
-              <a:defRPr sz="1800"/>
+              <a:defRPr sz="1300"/>
             </a:lvl7pPr>
             <a:lvl8pPr>
-              <a:defRPr sz="1800"/>
+              <a:defRPr sz="1300"/>
             </a:lvl8pPr>
             <a:lvl9pPr>
-              <a:defRPr sz="1800"/>
+              <a:defRPr sz="1300"/>
             </a:lvl9pPr>
           </a:lstStyle>
           <a:p>
@@ -1252,39 +1252,39 @@
         </p:nvSpPr>
         <p:spPr>
           <a:xfrm>
-            <a:off x="4648200" y="1600200"/>
-            <a:ext cx="4038600" cy="4525963"/>
+            <a:off x="3477273" y="1091989"/>
+            <a:ext cx="3021238" cy="3088551"/>
           </a:xfrm>
         </p:spPr>
         <p:txBody>
           <a:bodyPr/>
           <a:lstStyle>
             <a:lvl1pPr>
-              <a:defRPr sz="2800"/>
+              <a:defRPr sz="2000"/>
             </a:lvl1pPr>
             <a:lvl2pPr>
-              <a:defRPr sz="2400"/>
+              <a:defRPr sz="1700"/>
             </a:lvl2pPr>
             <a:lvl3pPr>
-              <a:defRPr sz="2000"/>
+              <a:defRPr sz="1500"/>
             </a:lvl3pPr>
             <a:lvl4pPr>
-              <a:defRPr sz="1800"/>
+              <a:defRPr sz="1300"/>
             </a:lvl4pPr>
             <a:lvl5pPr>
-              <a:defRPr sz="1800"/>
+              <a:defRPr sz="1300"/>
             </a:lvl5pPr>
             <a:lvl6pPr>
-              <a:defRPr sz="1800"/>
+              <a:defRPr sz="1300"/>
             </a:lvl6pPr>
             <a:lvl7pPr>
-              <a:defRPr sz="1800"/>
+              <a:defRPr sz="1300"/>
             </a:lvl7pPr>
             <a:lvl8pPr>
-              <a:defRPr sz="1800"/>
+              <a:defRPr sz="1300"/>
             </a:lvl8pPr>
             <a:lvl9pPr>
-              <a:defRPr sz="1800"/>
+              <a:defRPr sz="1300"/>
             </a:lvl9pPr>
           </a:lstStyle>
           <a:p>
@@ -1342,7 +1342,7 @@
           <a:p>
             <a:fld id="{0835606E-567B-4A60-9BAE-353B30461873}" type="datetimeFigureOut">
               <a:rPr lang="es-ES" smtClean="0"/>
-              <a:t>24/05/2015</a:t>
+              <a:t>03/07/2015</a:t>
             </a:fld>
             <a:endParaRPr lang="es-ES"/>
           </a:p>
@@ -1459,8 +1459,8 @@
         </p:nvSpPr>
         <p:spPr>
           <a:xfrm>
-            <a:off x="457200" y="1535113"/>
-            <a:ext cx="4040188" cy="639762"/>
+            <a:off x="342027" y="1047572"/>
+            <a:ext cx="3022426" cy="436579"/>
           </a:xfrm>
         </p:spPr>
         <p:txBody>
@@ -1468,39 +1468,39 @@
           <a:lstStyle>
             <a:lvl1pPr marL="0" indent="0">
               <a:buNone/>
-              <a:defRPr sz="2400" b="1"/>
+              <a:defRPr sz="1700" b="1"/>
             </a:lvl1pPr>
-            <a:lvl2pPr marL="457200" indent="0">
-              <a:buNone/>
-              <a:defRPr sz="2000" b="1"/>
+            <a:lvl2pPr marL="329153" indent="0">
+              <a:buNone/>
+              <a:defRPr sz="1500" b="1"/>
             </a:lvl2pPr>
-            <a:lvl3pPr marL="914400" indent="0">
-              <a:buNone/>
-              <a:defRPr sz="1800" b="1"/>
+            <a:lvl3pPr marL="658306" indent="0">
+              <a:buNone/>
+              <a:defRPr sz="1300" b="1"/>
             </a:lvl3pPr>
-            <a:lvl4pPr marL="1371600" indent="0">
-              <a:buNone/>
-              <a:defRPr sz="1600" b="1"/>
+            <a:lvl4pPr marL="987459" indent="0">
+              <a:buNone/>
+              <a:defRPr sz="1200" b="1"/>
             </a:lvl4pPr>
-            <a:lvl5pPr marL="1828800" indent="0">
-              <a:buNone/>
-              <a:defRPr sz="1600" b="1"/>
+            <a:lvl5pPr marL="1316613" indent="0">
+              <a:buNone/>
+              <a:defRPr sz="1200" b="1"/>
             </a:lvl5pPr>
-            <a:lvl6pPr marL="2286000" indent="0">
-              <a:buNone/>
-              <a:defRPr sz="1600" b="1"/>
+            <a:lvl6pPr marL="1645766" indent="0">
+              <a:buNone/>
+              <a:defRPr sz="1200" b="1"/>
             </a:lvl6pPr>
-            <a:lvl7pPr marL="2743200" indent="0">
-              <a:buNone/>
-              <a:defRPr sz="1600" b="1"/>
+            <a:lvl7pPr marL="1974919" indent="0">
+              <a:buNone/>
+              <a:defRPr sz="1200" b="1"/>
             </a:lvl7pPr>
-            <a:lvl8pPr marL="3200400" indent="0">
-              <a:buNone/>
-              <a:defRPr sz="1600" b="1"/>
+            <a:lvl8pPr marL="2304072" indent="0">
+              <a:buNone/>
+              <a:defRPr sz="1200" b="1"/>
             </a:lvl8pPr>
-            <a:lvl9pPr marL="3657600" indent="0">
-              <a:buNone/>
-              <a:defRPr sz="1600" b="1"/>
+            <a:lvl9pPr marL="2633225" indent="0">
+              <a:buNone/>
+              <a:defRPr sz="1200" b="1"/>
             </a:lvl9pPr>
           </a:lstStyle>
           <a:p>
@@ -1524,39 +1524,39 @@
         </p:nvSpPr>
         <p:spPr>
           <a:xfrm>
-            <a:off x="457200" y="2174875"/>
-            <a:ext cx="4040188" cy="3951288"/>
+            <a:off x="342027" y="1484151"/>
+            <a:ext cx="3022426" cy="2696388"/>
           </a:xfrm>
         </p:spPr>
         <p:txBody>
           <a:bodyPr/>
           <a:lstStyle>
             <a:lvl1pPr>
-              <a:defRPr sz="2400"/>
+              <a:defRPr sz="1700"/>
             </a:lvl1pPr>
             <a:lvl2pPr>
-              <a:defRPr sz="2000"/>
+              <a:defRPr sz="1500"/>
             </a:lvl2pPr>
             <a:lvl3pPr>
-              <a:defRPr sz="1800"/>
+              <a:defRPr sz="1300"/>
             </a:lvl3pPr>
             <a:lvl4pPr>
-              <a:defRPr sz="1600"/>
+              <a:defRPr sz="1200"/>
             </a:lvl4pPr>
             <a:lvl5pPr>
-              <a:defRPr sz="1600"/>
+              <a:defRPr sz="1200"/>
             </a:lvl5pPr>
             <a:lvl6pPr>
-              <a:defRPr sz="1600"/>
+              <a:defRPr sz="1200"/>
             </a:lvl6pPr>
             <a:lvl7pPr>
-              <a:defRPr sz="1600"/>
+              <a:defRPr sz="1200"/>
             </a:lvl7pPr>
             <a:lvl8pPr>
-              <a:defRPr sz="1600"/>
+              <a:defRPr sz="1200"/>
             </a:lvl8pPr>
             <a:lvl9pPr>
-              <a:defRPr sz="1600"/>
+              <a:defRPr sz="1200"/>
             </a:lvl9pPr>
           </a:lstStyle>
           <a:p>
@@ -1609,8 +1609,8 @@
         </p:nvSpPr>
         <p:spPr>
           <a:xfrm>
-            <a:off x="4645025" y="1535113"/>
-            <a:ext cx="4041775" cy="639762"/>
+            <a:off x="3474898" y="1047572"/>
+            <a:ext cx="3023613" cy="436579"/>
           </a:xfrm>
         </p:spPr>
         <p:txBody>
@@ -1618,39 +1618,39 @@
           <a:lstStyle>
             <a:lvl1pPr marL="0" indent="0">
               <a:buNone/>
-              <a:defRPr sz="2400" b="1"/>
+              <a:defRPr sz="1700" b="1"/>
             </a:lvl1pPr>
-            <a:lvl2pPr marL="457200" indent="0">
-              <a:buNone/>
-              <a:defRPr sz="2000" b="1"/>
+            <a:lvl2pPr marL="329153" indent="0">
+              <a:buNone/>
+              <a:defRPr sz="1500" b="1"/>
             </a:lvl2pPr>
-            <a:lvl3pPr marL="914400" indent="0">
-              <a:buNone/>
-              <a:defRPr sz="1800" b="1"/>
+            <a:lvl3pPr marL="658306" indent="0">
+              <a:buNone/>
+              <a:defRPr sz="1300" b="1"/>
             </a:lvl3pPr>
-            <a:lvl4pPr marL="1371600" indent="0">
-              <a:buNone/>
-              <a:defRPr sz="1600" b="1"/>
+            <a:lvl4pPr marL="987459" indent="0">
+              <a:buNone/>
+              <a:defRPr sz="1200" b="1"/>
             </a:lvl4pPr>
-            <a:lvl5pPr marL="1828800" indent="0">
-              <a:buNone/>
-              <a:defRPr sz="1600" b="1"/>
+            <a:lvl5pPr marL="1316613" indent="0">
+              <a:buNone/>
+              <a:defRPr sz="1200" b="1"/>
             </a:lvl5pPr>
-            <a:lvl6pPr marL="2286000" indent="0">
-              <a:buNone/>
-              <a:defRPr sz="1600" b="1"/>
+            <a:lvl6pPr marL="1645766" indent="0">
+              <a:buNone/>
+              <a:defRPr sz="1200" b="1"/>
             </a:lvl6pPr>
-            <a:lvl7pPr marL="2743200" indent="0">
-              <a:buNone/>
-              <a:defRPr sz="1600" b="1"/>
+            <a:lvl7pPr marL="1974919" indent="0">
+              <a:buNone/>
+              <a:defRPr sz="1200" b="1"/>
             </a:lvl7pPr>
-            <a:lvl8pPr marL="3200400" indent="0">
-              <a:buNone/>
-              <a:defRPr sz="1600" b="1"/>
+            <a:lvl8pPr marL="2304072" indent="0">
+              <a:buNone/>
+              <a:defRPr sz="1200" b="1"/>
             </a:lvl8pPr>
-            <a:lvl9pPr marL="3657600" indent="0">
-              <a:buNone/>
-              <a:defRPr sz="1600" b="1"/>
+            <a:lvl9pPr marL="2633225" indent="0">
+              <a:buNone/>
+              <a:defRPr sz="1200" b="1"/>
             </a:lvl9pPr>
           </a:lstStyle>
           <a:p>
@@ -1674,39 +1674,39 @@
         </p:nvSpPr>
         <p:spPr>
           <a:xfrm>
-            <a:off x="4645025" y="2174875"/>
-            <a:ext cx="4041775" cy="3951288"/>
+            <a:off x="3474898" y="1484151"/>
+            <a:ext cx="3023613" cy="2696388"/>
           </a:xfrm>
         </p:spPr>
         <p:txBody>
           <a:bodyPr/>
           <a:lstStyle>
             <a:lvl1pPr>
-              <a:defRPr sz="2400"/>
+              <a:defRPr sz="1700"/>
             </a:lvl1pPr>
             <a:lvl2pPr>
-              <a:defRPr sz="2000"/>
+              <a:defRPr sz="1500"/>
             </a:lvl2pPr>
             <a:lvl3pPr>
-              <a:defRPr sz="1800"/>
+              <a:defRPr sz="1300"/>
             </a:lvl3pPr>
             <a:lvl4pPr>
-              <a:defRPr sz="1600"/>
+              <a:defRPr sz="1200"/>
             </a:lvl4pPr>
             <a:lvl5pPr>
-              <a:defRPr sz="1600"/>
+              <a:defRPr sz="1200"/>
             </a:lvl5pPr>
             <a:lvl6pPr>
-              <a:defRPr sz="1600"/>
+              <a:defRPr sz="1200"/>
             </a:lvl6pPr>
             <a:lvl7pPr>
-              <a:defRPr sz="1600"/>
+              <a:defRPr sz="1200"/>
             </a:lvl7pPr>
             <a:lvl8pPr>
-              <a:defRPr sz="1600"/>
+              <a:defRPr sz="1200"/>
             </a:lvl8pPr>
             <a:lvl9pPr>
-              <a:defRPr sz="1600"/>
+              <a:defRPr sz="1200"/>
             </a:lvl9pPr>
           </a:lstStyle>
           <a:p>
@@ -1764,7 +1764,7 @@
           <a:p>
             <a:fld id="{0835606E-567B-4A60-9BAE-353B30461873}" type="datetimeFigureOut">
               <a:rPr lang="es-ES" smtClean="0"/>
-              <a:t>24/05/2015</a:t>
+              <a:t>03/07/2015</a:t>
             </a:fld>
             <a:endParaRPr lang="es-ES"/>
           </a:p>
@@ -1882,7 +1882,7 @@
           <a:p>
             <a:fld id="{0835606E-567B-4A60-9BAE-353B30461873}" type="datetimeFigureOut">
               <a:rPr lang="es-ES" smtClean="0"/>
-              <a:t>24/05/2015</a:t>
+              <a:t>03/07/2015</a:t>
             </a:fld>
             <a:endParaRPr lang="es-ES"/>
           </a:p>
@@ -1977,7 +1977,7 @@
           <a:p>
             <a:fld id="{0835606E-567B-4A60-9BAE-353B30461873}" type="datetimeFigureOut">
               <a:rPr lang="es-ES" smtClean="0"/>
-              <a:t>24/05/2015</a:t>
+              <a:t>03/07/2015</a:t>
             </a:fld>
             <a:endParaRPr lang="es-ES"/>
           </a:p>
@@ -2067,15 +2067,15 @@
         </p:nvSpPr>
         <p:spPr>
           <a:xfrm>
-            <a:off x="457200" y="273050"/>
-            <a:ext cx="3008313" cy="1162050"/>
+            <a:off x="342028" y="186332"/>
+            <a:ext cx="2250489" cy="792991"/>
           </a:xfrm>
         </p:spPr>
         <p:txBody>
           <a:bodyPr anchor="b"/>
           <a:lstStyle>
             <a:lvl1pPr algn="l">
-              <a:defRPr sz="2000" b="1"/>
+              <a:defRPr sz="1500" b="1"/>
             </a:lvl1pPr>
           </a:lstStyle>
           <a:p>
@@ -2099,39 +2099,39 @@
         </p:nvSpPr>
         <p:spPr>
           <a:xfrm>
-            <a:off x="3575050" y="273050"/>
-            <a:ext cx="5111750" cy="5853113"/>
+            <a:off x="2674461" y="186332"/>
+            <a:ext cx="3824051" cy="3994207"/>
           </a:xfrm>
         </p:spPr>
         <p:txBody>
           <a:bodyPr/>
           <a:lstStyle>
             <a:lvl1pPr>
-              <a:defRPr sz="3200"/>
+              <a:defRPr sz="2300"/>
             </a:lvl1pPr>
             <a:lvl2pPr>
-              <a:defRPr sz="2800"/>
+              <a:defRPr sz="2000"/>
             </a:lvl2pPr>
             <a:lvl3pPr>
-              <a:defRPr sz="2400"/>
+              <a:defRPr sz="1700"/>
             </a:lvl3pPr>
             <a:lvl4pPr>
-              <a:defRPr sz="2000"/>
+              <a:defRPr sz="1500"/>
             </a:lvl4pPr>
             <a:lvl5pPr>
-              <a:defRPr sz="2000"/>
+              <a:defRPr sz="1500"/>
             </a:lvl5pPr>
             <a:lvl6pPr>
-              <a:defRPr sz="2000"/>
+              <a:defRPr sz="1500"/>
             </a:lvl6pPr>
             <a:lvl7pPr>
-              <a:defRPr sz="2000"/>
+              <a:defRPr sz="1500"/>
             </a:lvl7pPr>
             <a:lvl8pPr>
-              <a:defRPr sz="2000"/>
+              <a:defRPr sz="1500"/>
             </a:lvl8pPr>
             <a:lvl9pPr>
-              <a:defRPr sz="2000"/>
+              <a:defRPr sz="1500"/>
             </a:lvl9pPr>
           </a:lstStyle>
           <a:p>
@@ -2184,8 +2184,8 @@
         </p:nvSpPr>
         <p:spPr>
           <a:xfrm>
-            <a:off x="457200" y="1435100"/>
-            <a:ext cx="3008313" cy="4691063"/>
+            <a:off x="342028" y="979324"/>
+            <a:ext cx="2250489" cy="3201216"/>
           </a:xfrm>
         </p:spPr>
         <p:txBody>
@@ -2193,39 +2193,39 @@
           <a:lstStyle>
             <a:lvl1pPr marL="0" indent="0">
               <a:buNone/>
-              <a:defRPr sz="1400"/>
+              <a:defRPr sz="1000"/>
             </a:lvl1pPr>
-            <a:lvl2pPr marL="457200" indent="0">
-              <a:buNone/>
-              <a:defRPr sz="1200"/>
+            <a:lvl2pPr marL="329153" indent="0">
+              <a:buNone/>
+              <a:defRPr sz="800"/>
             </a:lvl2pPr>
-            <a:lvl3pPr marL="914400" indent="0">
-              <a:buNone/>
-              <a:defRPr sz="1000"/>
+            <a:lvl3pPr marL="658306" indent="0">
+              <a:buNone/>
+              <a:defRPr sz="700"/>
             </a:lvl3pPr>
-            <a:lvl4pPr marL="1371600" indent="0">
-              <a:buNone/>
-              <a:defRPr sz="900"/>
+            <a:lvl4pPr marL="987459" indent="0">
+              <a:buNone/>
+              <a:defRPr sz="600"/>
             </a:lvl4pPr>
-            <a:lvl5pPr marL="1828800" indent="0">
-              <a:buNone/>
-              <a:defRPr sz="900"/>
+            <a:lvl5pPr marL="1316613" indent="0">
+              <a:buNone/>
+              <a:defRPr sz="600"/>
             </a:lvl5pPr>
-            <a:lvl6pPr marL="2286000" indent="0">
-              <a:buNone/>
-              <a:defRPr sz="900"/>
+            <a:lvl6pPr marL="1645766" indent="0">
+              <a:buNone/>
+              <a:defRPr sz="600"/>
             </a:lvl6pPr>
-            <a:lvl7pPr marL="2743200" indent="0">
-              <a:buNone/>
-              <a:defRPr sz="900"/>
+            <a:lvl7pPr marL="1974919" indent="0">
+              <a:buNone/>
+              <a:defRPr sz="600"/>
             </a:lvl7pPr>
-            <a:lvl8pPr marL="3200400" indent="0">
-              <a:buNone/>
-              <a:defRPr sz="900"/>
+            <a:lvl8pPr marL="2304072" indent="0">
+              <a:buNone/>
+              <a:defRPr sz="600"/>
             </a:lvl8pPr>
-            <a:lvl9pPr marL="3657600" indent="0">
-              <a:buNone/>
-              <a:defRPr sz="900"/>
+            <a:lvl9pPr marL="2633225" indent="0">
+              <a:buNone/>
+              <a:defRPr sz="600"/>
             </a:lvl9pPr>
           </a:lstStyle>
           <a:p>
@@ -2254,7 +2254,7 @@
           <a:p>
             <a:fld id="{0835606E-567B-4A60-9BAE-353B30461873}" type="datetimeFigureOut">
               <a:rPr lang="es-ES" smtClean="0"/>
-              <a:t>24/05/2015</a:t>
+              <a:t>03/07/2015</a:t>
             </a:fld>
             <a:endParaRPr lang="es-ES"/>
           </a:p>
@@ -2344,15 +2344,15 @@
         </p:nvSpPr>
         <p:spPr>
           <a:xfrm>
-            <a:off x="1792288" y="4800600"/>
-            <a:ext cx="5486400" cy="566738"/>
+            <a:off x="1340793" y="3275965"/>
+            <a:ext cx="4104323" cy="386746"/>
           </a:xfrm>
         </p:spPr>
         <p:txBody>
           <a:bodyPr anchor="b"/>
           <a:lstStyle>
             <a:lvl1pPr algn="l">
-              <a:defRPr sz="2000" b="1"/>
+              <a:defRPr sz="1500" b="1"/>
             </a:lvl1pPr>
           </a:lstStyle>
           <a:p>
@@ -2376,8 +2376,8 @@
         </p:nvSpPr>
         <p:spPr>
           <a:xfrm>
-            <a:off x="1792288" y="612775"/>
-            <a:ext cx="5486400" cy="4114800"/>
+            <a:off x="1340793" y="418162"/>
+            <a:ext cx="4104323" cy="2807970"/>
           </a:xfrm>
         </p:spPr>
         <p:txBody>
@@ -2385,39 +2385,39 @@
           <a:lstStyle>
             <a:lvl1pPr marL="0" indent="0">
               <a:buNone/>
-              <a:defRPr sz="3200"/>
+              <a:defRPr sz="2300"/>
             </a:lvl1pPr>
-            <a:lvl2pPr marL="457200" indent="0">
-              <a:buNone/>
-              <a:defRPr sz="2800"/>
+            <a:lvl2pPr marL="329153" indent="0">
+              <a:buNone/>
+              <a:defRPr sz="2000"/>
             </a:lvl2pPr>
-            <a:lvl3pPr marL="914400" indent="0">
-              <a:buNone/>
-              <a:defRPr sz="2400"/>
+            <a:lvl3pPr marL="658306" indent="0">
+              <a:buNone/>
+              <a:defRPr sz="1700"/>
             </a:lvl3pPr>
-            <a:lvl4pPr marL="1371600" indent="0">
-              <a:buNone/>
-              <a:defRPr sz="2000"/>
+            <a:lvl4pPr marL="987459" indent="0">
+              <a:buNone/>
+              <a:defRPr sz="1500"/>
             </a:lvl4pPr>
-            <a:lvl5pPr marL="1828800" indent="0">
-              <a:buNone/>
-              <a:defRPr sz="2000"/>
+            <a:lvl5pPr marL="1316613" indent="0">
+              <a:buNone/>
+              <a:defRPr sz="1500"/>
             </a:lvl5pPr>
-            <a:lvl6pPr marL="2286000" indent="0">
-              <a:buNone/>
-              <a:defRPr sz="2000"/>
+            <a:lvl6pPr marL="1645766" indent="0">
+              <a:buNone/>
+              <a:defRPr sz="1500"/>
             </a:lvl6pPr>
-            <a:lvl7pPr marL="2743200" indent="0">
-              <a:buNone/>
-              <a:defRPr sz="2000"/>
+            <a:lvl7pPr marL="1974919" indent="0">
+              <a:buNone/>
+              <a:defRPr sz="1500"/>
             </a:lvl7pPr>
-            <a:lvl8pPr marL="3200400" indent="0">
-              <a:buNone/>
-              <a:defRPr sz="2000"/>
+            <a:lvl8pPr marL="2304072" indent="0">
+              <a:buNone/>
+              <a:defRPr sz="1500"/>
             </a:lvl8pPr>
-            <a:lvl9pPr marL="3657600" indent="0">
-              <a:buNone/>
-              <a:defRPr sz="2000"/>
+            <a:lvl9pPr marL="2633225" indent="0">
+              <a:buNone/>
+              <a:defRPr sz="1500"/>
             </a:lvl9pPr>
           </a:lstStyle>
           <a:p>
@@ -2437,8 +2437,8 @@
         </p:nvSpPr>
         <p:spPr>
           <a:xfrm>
-            <a:off x="1792288" y="5367338"/>
-            <a:ext cx="5486400" cy="804862"/>
+            <a:off x="1340793" y="3662712"/>
+            <a:ext cx="4104323" cy="549244"/>
           </a:xfrm>
         </p:spPr>
         <p:txBody>
@@ -2446,39 +2446,39 @@
           <a:lstStyle>
             <a:lvl1pPr marL="0" indent="0">
               <a:buNone/>
-              <a:defRPr sz="1400"/>
+              <a:defRPr sz="1000"/>
             </a:lvl1pPr>
-            <a:lvl2pPr marL="457200" indent="0">
-              <a:buNone/>
-              <a:defRPr sz="1200"/>
+            <a:lvl2pPr marL="329153" indent="0">
+              <a:buNone/>
+              <a:defRPr sz="800"/>
             </a:lvl2pPr>
-            <a:lvl3pPr marL="914400" indent="0">
-              <a:buNone/>
-              <a:defRPr sz="1000"/>
+            <a:lvl3pPr marL="658306" indent="0">
+              <a:buNone/>
+              <a:defRPr sz="700"/>
             </a:lvl3pPr>
-            <a:lvl4pPr marL="1371600" indent="0">
-              <a:buNone/>
-              <a:defRPr sz="900"/>
+            <a:lvl4pPr marL="987459" indent="0">
+              <a:buNone/>
+              <a:defRPr sz="600"/>
             </a:lvl4pPr>
-            <a:lvl5pPr marL="1828800" indent="0">
-              <a:buNone/>
-              <a:defRPr sz="900"/>
+            <a:lvl5pPr marL="1316613" indent="0">
+              <a:buNone/>
+              <a:defRPr sz="600"/>
             </a:lvl5pPr>
-            <a:lvl6pPr marL="2286000" indent="0">
-              <a:buNone/>
-              <a:defRPr sz="900"/>
+            <a:lvl6pPr marL="1645766" indent="0">
+              <a:buNone/>
+              <a:defRPr sz="600"/>
             </a:lvl6pPr>
-            <a:lvl7pPr marL="2743200" indent="0">
-              <a:buNone/>
-              <a:defRPr sz="900"/>
+            <a:lvl7pPr marL="1974919" indent="0">
+              <a:buNone/>
+              <a:defRPr sz="600"/>
             </a:lvl7pPr>
-            <a:lvl8pPr marL="3200400" indent="0">
-              <a:buNone/>
-              <a:defRPr sz="900"/>
+            <a:lvl8pPr marL="2304072" indent="0">
+              <a:buNone/>
+              <a:defRPr sz="600"/>
             </a:lvl8pPr>
-            <a:lvl9pPr marL="3657600" indent="0">
-              <a:buNone/>
-              <a:defRPr sz="900"/>
+            <a:lvl9pPr marL="2633225" indent="0">
+              <a:buNone/>
+              <a:defRPr sz="600"/>
             </a:lvl9pPr>
           </a:lstStyle>
           <a:p>
@@ -2507,7 +2507,7 @@
           <a:p>
             <a:fld id="{0835606E-567B-4A60-9BAE-353B30461873}" type="datetimeFigureOut">
               <a:rPr lang="es-ES" smtClean="0"/>
-              <a:t>24/05/2015</a:t>
+              <a:t>03/07/2015</a:t>
             </a:fld>
             <a:endParaRPr lang="es-ES"/>
           </a:p>
@@ -2602,15 +2602,15 @@
         </p:nvSpPr>
         <p:spPr>
           <a:xfrm>
-            <a:off x="457200" y="274638"/>
-            <a:ext cx="8229600" cy="1143000"/>
+            <a:off x="342027" y="187415"/>
+            <a:ext cx="6156484" cy="779992"/>
           </a:xfrm>
           <a:prstGeom prst="rect">
             <a:avLst/>
           </a:prstGeom>
         </p:spPr>
         <p:txBody>
-          <a:bodyPr vert="horz" lIns="91440" tIns="45720" rIns="91440" bIns="45720" rtlCol="0" anchor="ctr">
+          <a:bodyPr vert="horz" lIns="65831" tIns="32916" rIns="65831" bIns="32916" rtlCol="0" anchor="ctr">
             <a:normAutofit/>
           </a:bodyPr>
           <a:lstStyle/>
@@ -2635,15 +2635,15 @@
         </p:nvSpPr>
         <p:spPr>
           <a:xfrm>
-            <a:off x="457200" y="1600200"/>
-            <a:ext cx="8229600" cy="4525963"/>
+            <a:off x="342027" y="1091989"/>
+            <a:ext cx="6156484" cy="3088551"/>
           </a:xfrm>
           <a:prstGeom prst="rect">
             <a:avLst/>
           </a:prstGeom>
         </p:spPr>
         <p:txBody>
-          <a:bodyPr vert="horz" lIns="91440" tIns="45720" rIns="91440" bIns="45720" rtlCol="0">
+          <a:bodyPr vert="horz" lIns="65831" tIns="32916" rIns="65831" bIns="32916" rtlCol="0">
             <a:normAutofit/>
           </a:bodyPr>
           <a:lstStyle/>
@@ -2697,18 +2697,18 @@
         </p:nvSpPr>
         <p:spPr>
           <a:xfrm>
-            <a:off x="457200" y="6356350"/>
-            <a:ext cx="2133600" cy="365125"/>
+            <a:off x="342027" y="4337621"/>
+            <a:ext cx="1596126" cy="249164"/>
           </a:xfrm>
           <a:prstGeom prst="rect">
             <a:avLst/>
           </a:prstGeom>
         </p:spPr>
         <p:txBody>
-          <a:bodyPr vert="horz" lIns="91440" tIns="45720" rIns="91440" bIns="45720" rtlCol="0" anchor="ctr"/>
+          <a:bodyPr vert="horz" lIns="65831" tIns="32916" rIns="65831" bIns="32916" rtlCol="0" anchor="ctr"/>
           <a:lstStyle>
             <a:lvl1pPr algn="l">
-              <a:defRPr sz="1200">
+              <a:defRPr sz="800">
                 <a:solidFill>
                   <a:schemeClr val="tx1">
                     <a:tint val="75000"/>
@@ -2720,7 +2720,7 @@
           <a:p>
             <a:fld id="{0835606E-567B-4A60-9BAE-353B30461873}" type="datetimeFigureOut">
               <a:rPr lang="es-ES" smtClean="0"/>
-              <a:t>24/05/2015</a:t>
+              <a:t>03/07/2015</a:t>
             </a:fld>
             <a:endParaRPr lang="es-ES"/>
           </a:p>
@@ -2738,18 +2738,18 @@
         </p:nvSpPr>
         <p:spPr>
           <a:xfrm>
-            <a:off x="3124200" y="6356350"/>
-            <a:ext cx="2895600" cy="365125"/>
+            <a:off x="2337185" y="4337621"/>
+            <a:ext cx="2166170" cy="249164"/>
           </a:xfrm>
           <a:prstGeom prst="rect">
             <a:avLst/>
           </a:prstGeom>
         </p:spPr>
         <p:txBody>
-          <a:bodyPr vert="horz" lIns="91440" tIns="45720" rIns="91440" bIns="45720" rtlCol="0" anchor="ctr"/>
+          <a:bodyPr vert="horz" lIns="65831" tIns="32916" rIns="65831" bIns="32916" rtlCol="0" anchor="ctr"/>
           <a:lstStyle>
             <a:lvl1pPr algn="ctr">
-              <a:defRPr sz="1200">
+              <a:defRPr sz="800">
                 <a:solidFill>
                   <a:schemeClr val="tx1">
                     <a:tint val="75000"/>
@@ -2775,18 +2775,18 @@
         </p:nvSpPr>
         <p:spPr>
           <a:xfrm>
-            <a:off x="6553200" y="6356350"/>
-            <a:ext cx="2133600" cy="365125"/>
+            <a:off x="4902385" y="4337621"/>
+            <a:ext cx="1596126" cy="249164"/>
           </a:xfrm>
           <a:prstGeom prst="rect">
             <a:avLst/>
           </a:prstGeom>
         </p:spPr>
         <p:txBody>
-          <a:bodyPr vert="horz" lIns="91440" tIns="45720" rIns="91440" bIns="45720" rtlCol="0" anchor="ctr"/>
+          <a:bodyPr vert="horz" lIns="65831" tIns="32916" rIns="65831" bIns="32916" rtlCol="0" anchor="ctr"/>
           <a:lstStyle>
             <a:lvl1pPr algn="r">
-              <a:defRPr sz="1200">
+              <a:defRPr sz="800">
                 <a:solidFill>
                   <a:schemeClr val="tx1">
                     <a:tint val="75000"/>
@@ -2827,12 +2827,12 @@
   </p:sldLayoutIdLst>
   <p:txStyles>
     <p:titleStyle>
-      <a:lvl1pPr algn="ctr" defTabSz="914400" rtl="0" eaLnBrk="1" latinLnBrk="0" hangingPunct="1">
+      <a:lvl1pPr algn="ctr" defTabSz="658306" rtl="0" eaLnBrk="1" latinLnBrk="0" hangingPunct="1">
         <a:spcBef>
           <a:spcPct val="0"/>
         </a:spcBef>
         <a:buNone/>
-        <a:defRPr sz="4400" kern="1200">
+        <a:defRPr sz="3200" kern="1200">
           <a:solidFill>
             <a:schemeClr val="tx1"/>
           </a:solidFill>
@@ -2843,13 +2843,13 @@
       </a:lvl1pPr>
     </p:titleStyle>
     <p:bodyStyle>
-      <a:lvl1pPr marL="342900" indent="-342900" algn="l" defTabSz="914400" rtl="0" eaLnBrk="1" latinLnBrk="0" hangingPunct="1">
+      <a:lvl1pPr marL="246865" indent="-246865" algn="l" defTabSz="658306" rtl="0" eaLnBrk="1" latinLnBrk="0" hangingPunct="1">
         <a:spcBef>
           <a:spcPct val="20000"/>
         </a:spcBef>
         <a:buFont typeface="Arial" pitchFamily="34" charset="0"/>
         <a:buChar char="•"/>
-        <a:defRPr sz="3200" kern="1200">
+        <a:defRPr sz="2300" kern="1200">
           <a:solidFill>
             <a:schemeClr val="tx1"/>
           </a:solidFill>
@@ -2858,37 +2858,7 @@
           <a:cs typeface="+mn-cs"/>
         </a:defRPr>
       </a:lvl1pPr>
-      <a:lvl2pPr marL="742950" indent="-285750" algn="l" defTabSz="914400" rtl="0" eaLnBrk="1" latinLnBrk="0" hangingPunct="1">
-        <a:spcBef>
-          <a:spcPct val="20000"/>
-        </a:spcBef>
-        <a:buFont typeface="Arial" pitchFamily="34" charset="0"/>
-        <a:buChar char="–"/>
-        <a:defRPr sz="2800" kern="1200">
-          <a:solidFill>
-            <a:schemeClr val="tx1"/>
-          </a:solidFill>
-          <a:latin typeface="+mn-lt"/>
-          <a:ea typeface="+mn-ea"/>
-          <a:cs typeface="+mn-cs"/>
-        </a:defRPr>
-      </a:lvl2pPr>
-      <a:lvl3pPr marL="1143000" indent="-228600" algn="l" defTabSz="914400" rtl="0" eaLnBrk="1" latinLnBrk="0" hangingPunct="1">
-        <a:spcBef>
-          <a:spcPct val="20000"/>
-        </a:spcBef>
-        <a:buFont typeface="Arial" pitchFamily="34" charset="0"/>
-        <a:buChar char="•"/>
-        <a:defRPr sz="2400" kern="1200">
-          <a:solidFill>
-            <a:schemeClr val="tx1"/>
-          </a:solidFill>
-          <a:latin typeface="+mn-lt"/>
-          <a:ea typeface="+mn-ea"/>
-          <a:cs typeface="+mn-cs"/>
-        </a:defRPr>
-      </a:lvl3pPr>
-      <a:lvl4pPr marL="1600200" indent="-228600" algn="l" defTabSz="914400" rtl="0" eaLnBrk="1" latinLnBrk="0" hangingPunct="1">
+      <a:lvl2pPr marL="534874" indent="-205721" algn="l" defTabSz="658306" rtl="0" eaLnBrk="1" latinLnBrk="0" hangingPunct="1">
         <a:spcBef>
           <a:spcPct val="20000"/>
         </a:spcBef>
@@ -2902,14 +2872,44 @@
           <a:ea typeface="+mn-ea"/>
           <a:cs typeface="+mn-cs"/>
         </a:defRPr>
+      </a:lvl2pPr>
+      <a:lvl3pPr marL="822883" indent="-164577" algn="l" defTabSz="658306" rtl="0" eaLnBrk="1" latinLnBrk="0" hangingPunct="1">
+        <a:spcBef>
+          <a:spcPct val="20000"/>
+        </a:spcBef>
+        <a:buFont typeface="Arial" pitchFamily="34" charset="0"/>
+        <a:buChar char="•"/>
+        <a:defRPr sz="1700" kern="1200">
+          <a:solidFill>
+            <a:schemeClr val="tx1"/>
+          </a:solidFill>
+          <a:latin typeface="+mn-lt"/>
+          <a:ea typeface="+mn-ea"/>
+          <a:cs typeface="+mn-cs"/>
+        </a:defRPr>
+      </a:lvl3pPr>
+      <a:lvl4pPr marL="1152036" indent="-164577" algn="l" defTabSz="658306" rtl="0" eaLnBrk="1" latinLnBrk="0" hangingPunct="1">
+        <a:spcBef>
+          <a:spcPct val="20000"/>
+        </a:spcBef>
+        <a:buFont typeface="Arial" pitchFamily="34" charset="0"/>
+        <a:buChar char="–"/>
+        <a:defRPr sz="1500" kern="1200">
+          <a:solidFill>
+            <a:schemeClr val="tx1"/>
+          </a:solidFill>
+          <a:latin typeface="+mn-lt"/>
+          <a:ea typeface="+mn-ea"/>
+          <a:cs typeface="+mn-cs"/>
+        </a:defRPr>
       </a:lvl4pPr>
-      <a:lvl5pPr marL="2057400" indent="-228600" algn="l" defTabSz="914400" rtl="0" eaLnBrk="1" latinLnBrk="0" hangingPunct="1">
+      <a:lvl5pPr marL="1481190" indent="-164577" algn="l" defTabSz="658306" rtl="0" eaLnBrk="1" latinLnBrk="0" hangingPunct="1">
         <a:spcBef>
           <a:spcPct val="20000"/>
         </a:spcBef>
         <a:buFont typeface="Arial" pitchFamily="34" charset="0"/>
         <a:buChar char="»"/>
-        <a:defRPr sz="2000" kern="1200">
+        <a:defRPr sz="1500" kern="1200">
           <a:solidFill>
             <a:schemeClr val="tx1"/>
           </a:solidFill>
@@ -2918,13 +2918,13 @@
           <a:cs typeface="+mn-cs"/>
         </a:defRPr>
       </a:lvl5pPr>
-      <a:lvl6pPr marL="2514600" indent="-228600" algn="l" defTabSz="914400" rtl="0" eaLnBrk="1" latinLnBrk="0" hangingPunct="1">
+      <a:lvl6pPr marL="1810343" indent="-164577" algn="l" defTabSz="658306" rtl="0" eaLnBrk="1" latinLnBrk="0" hangingPunct="1">
         <a:spcBef>
           <a:spcPct val="20000"/>
         </a:spcBef>
         <a:buFont typeface="Arial" pitchFamily="34" charset="0"/>
         <a:buChar char="•"/>
-        <a:defRPr sz="2000" kern="1200">
+        <a:defRPr sz="1500" kern="1200">
           <a:solidFill>
             <a:schemeClr val="tx1"/>
           </a:solidFill>
@@ -2933,13 +2933,13 @@
           <a:cs typeface="+mn-cs"/>
         </a:defRPr>
       </a:lvl6pPr>
-      <a:lvl7pPr marL="2971800" indent="-228600" algn="l" defTabSz="914400" rtl="0" eaLnBrk="1" latinLnBrk="0" hangingPunct="1">
+      <a:lvl7pPr marL="2139496" indent="-164577" algn="l" defTabSz="658306" rtl="0" eaLnBrk="1" latinLnBrk="0" hangingPunct="1">
         <a:spcBef>
           <a:spcPct val="20000"/>
         </a:spcBef>
         <a:buFont typeface="Arial" pitchFamily="34" charset="0"/>
         <a:buChar char="•"/>
-        <a:defRPr sz="2000" kern="1200">
+        <a:defRPr sz="1500" kern="1200">
           <a:solidFill>
             <a:schemeClr val="tx1"/>
           </a:solidFill>
@@ -2948,13 +2948,13 @@
           <a:cs typeface="+mn-cs"/>
         </a:defRPr>
       </a:lvl7pPr>
-      <a:lvl8pPr marL="3429000" indent="-228600" algn="l" defTabSz="914400" rtl="0" eaLnBrk="1" latinLnBrk="0" hangingPunct="1">
+      <a:lvl8pPr marL="2468649" indent="-164577" algn="l" defTabSz="658306" rtl="0" eaLnBrk="1" latinLnBrk="0" hangingPunct="1">
         <a:spcBef>
           <a:spcPct val="20000"/>
         </a:spcBef>
         <a:buFont typeface="Arial" pitchFamily="34" charset="0"/>
         <a:buChar char="•"/>
-        <a:defRPr sz="2000" kern="1200">
+        <a:defRPr sz="1500" kern="1200">
           <a:solidFill>
             <a:schemeClr val="tx1"/>
           </a:solidFill>
@@ -2963,13 +2963,13 @@
           <a:cs typeface="+mn-cs"/>
         </a:defRPr>
       </a:lvl8pPr>
-      <a:lvl9pPr marL="3886200" indent="-228600" algn="l" defTabSz="914400" rtl="0" eaLnBrk="1" latinLnBrk="0" hangingPunct="1">
+      <a:lvl9pPr marL="2797802" indent="-164577" algn="l" defTabSz="658306" rtl="0" eaLnBrk="1" latinLnBrk="0" hangingPunct="1">
         <a:spcBef>
           <a:spcPct val="20000"/>
         </a:spcBef>
         <a:buFont typeface="Arial" pitchFamily="34" charset="0"/>
         <a:buChar char="•"/>
-        <a:defRPr sz="2000" kern="1200">
+        <a:defRPr sz="1500" kern="1200">
           <a:solidFill>
             <a:schemeClr val="tx1"/>
           </a:solidFill>
@@ -2983,8 +2983,8 @@
       <a:defPPr>
         <a:defRPr lang="es-ES"/>
       </a:defPPr>
-      <a:lvl1pPr marL="0" algn="l" defTabSz="914400" rtl="0" eaLnBrk="1" latinLnBrk="0" hangingPunct="1">
-        <a:defRPr sz="1800" kern="1200">
+      <a:lvl1pPr marL="0" algn="l" defTabSz="658306" rtl="0" eaLnBrk="1" latinLnBrk="0" hangingPunct="1">
+        <a:defRPr sz="1300" kern="1200">
           <a:solidFill>
             <a:schemeClr val="tx1"/>
           </a:solidFill>
@@ -2993,8 +2993,8 @@
           <a:cs typeface="+mn-cs"/>
         </a:defRPr>
       </a:lvl1pPr>
-      <a:lvl2pPr marL="457200" algn="l" defTabSz="914400" rtl="0" eaLnBrk="1" latinLnBrk="0" hangingPunct="1">
-        <a:defRPr sz="1800" kern="1200">
+      <a:lvl2pPr marL="329153" algn="l" defTabSz="658306" rtl="0" eaLnBrk="1" latinLnBrk="0" hangingPunct="1">
+        <a:defRPr sz="1300" kern="1200">
           <a:solidFill>
             <a:schemeClr val="tx1"/>
           </a:solidFill>
@@ -3003,8 +3003,8 @@
           <a:cs typeface="+mn-cs"/>
         </a:defRPr>
       </a:lvl2pPr>
-      <a:lvl3pPr marL="914400" algn="l" defTabSz="914400" rtl="0" eaLnBrk="1" latinLnBrk="0" hangingPunct="1">
-        <a:defRPr sz="1800" kern="1200">
+      <a:lvl3pPr marL="658306" algn="l" defTabSz="658306" rtl="0" eaLnBrk="1" latinLnBrk="0" hangingPunct="1">
+        <a:defRPr sz="1300" kern="1200">
           <a:solidFill>
             <a:schemeClr val="tx1"/>
           </a:solidFill>
@@ -3013,8 +3013,8 @@
           <a:cs typeface="+mn-cs"/>
         </a:defRPr>
       </a:lvl3pPr>
-      <a:lvl4pPr marL="1371600" algn="l" defTabSz="914400" rtl="0" eaLnBrk="1" latinLnBrk="0" hangingPunct="1">
-        <a:defRPr sz="1800" kern="1200">
+      <a:lvl4pPr marL="987459" algn="l" defTabSz="658306" rtl="0" eaLnBrk="1" latinLnBrk="0" hangingPunct="1">
+        <a:defRPr sz="1300" kern="1200">
           <a:solidFill>
             <a:schemeClr val="tx1"/>
           </a:solidFill>
@@ -3023,8 +3023,8 @@
           <a:cs typeface="+mn-cs"/>
         </a:defRPr>
       </a:lvl4pPr>
-      <a:lvl5pPr marL="1828800" algn="l" defTabSz="914400" rtl="0" eaLnBrk="1" latinLnBrk="0" hangingPunct="1">
-        <a:defRPr sz="1800" kern="1200">
+      <a:lvl5pPr marL="1316613" algn="l" defTabSz="658306" rtl="0" eaLnBrk="1" latinLnBrk="0" hangingPunct="1">
+        <a:defRPr sz="1300" kern="1200">
           <a:solidFill>
             <a:schemeClr val="tx1"/>
           </a:solidFill>
@@ -3033,8 +3033,8 @@
           <a:cs typeface="+mn-cs"/>
         </a:defRPr>
       </a:lvl5pPr>
-      <a:lvl6pPr marL="2286000" algn="l" defTabSz="914400" rtl="0" eaLnBrk="1" latinLnBrk="0" hangingPunct="1">
-        <a:defRPr sz="1800" kern="1200">
+      <a:lvl6pPr marL="1645766" algn="l" defTabSz="658306" rtl="0" eaLnBrk="1" latinLnBrk="0" hangingPunct="1">
+        <a:defRPr sz="1300" kern="1200">
           <a:solidFill>
             <a:schemeClr val="tx1"/>
           </a:solidFill>
@@ -3043,8 +3043,8 @@
           <a:cs typeface="+mn-cs"/>
         </a:defRPr>
       </a:lvl6pPr>
-      <a:lvl7pPr marL="2743200" algn="l" defTabSz="914400" rtl="0" eaLnBrk="1" latinLnBrk="0" hangingPunct="1">
-        <a:defRPr sz="1800" kern="1200">
+      <a:lvl7pPr marL="1974919" algn="l" defTabSz="658306" rtl="0" eaLnBrk="1" latinLnBrk="0" hangingPunct="1">
+        <a:defRPr sz="1300" kern="1200">
           <a:solidFill>
             <a:schemeClr val="tx1"/>
           </a:solidFill>
@@ -3053,8 +3053,8 @@
           <a:cs typeface="+mn-cs"/>
         </a:defRPr>
       </a:lvl7pPr>
-      <a:lvl8pPr marL="3200400" algn="l" defTabSz="914400" rtl="0" eaLnBrk="1" latinLnBrk="0" hangingPunct="1">
-        <a:defRPr sz="1800" kern="1200">
+      <a:lvl8pPr marL="2304072" algn="l" defTabSz="658306" rtl="0" eaLnBrk="1" latinLnBrk="0" hangingPunct="1">
+        <a:defRPr sz="1300" kern="1200">
           <a:solidFill>
             <a:schemeClr val="tx1"/>
           </a:solidFill>
@@ -3063,8 +3063,8 @@
           <a:cs typeface="+mn-cs"/>
         </a:defRPr>
       </a:lvl8pPr>
-      <a:lvl9pPr marL="3657600" algn="l" defTabSz="914400" rtl="0" eaLnBrk="1" latinLnBrk="0" hangingPunct="1">
-        <a:defRPr sz="1800" kern="1200">
+      <a:lvl9pPr marL="2633225" algn="l" defTabSz="658306" rtl="0" eaLnBrk="1" latinLnBrk="0" hangingPunct="1">
+        <a:defRPr sz="1300" kern="1200">
           <a:solidFill>
             <a:schemeClr val="tx1"/>
           </a:solidFill>
@@ -3097,13 +3097,13 @@
       </p:grpSpPr>
       <p:sp>
         <p:nvSpPr>
-          <p:cNvPr id="6" name="5 Rectángulo"/>
+          <p:cNvPr id="38" name="37 Rectángulo"/>
           <p:cNvSpPr/>
           <p:nvPr/>
         </p:nvSpPr>
         <p:spPr>
           <a:xfrm>
-            <a:off x="2339752" y="1628800"/>
+            <a:off x="1188021" y="962531"/>
             <a:ext cx="4320480" cy="3096344"/>
           </a:xfrm>
           <a:prstGeom prst="rect">
@@ -3147,13 +3147,13 @@
       </p:sp>
       <p:cxnSp>
         <p:nvCxnSpPr>
-          <p:cNvPr id="8" name="7 Conector recto de flecha"/>
+          <p:cNvPr id="39" name="38 Conector recto de flecha"/>
           <p:cNvCxnSpPr/>
           <p:nvPr/>
         </p:nvCxnSpPr>
         <p:spPr>
           <a:xfrm flipV="1">
-            <a:off x="2339752" y="692696"/>
+            <a:off x="1188021" y="26427"/>
             <a:ext cx="0" cy="4032448"/>
           </a:xfrm>
           <a:prstGeom prst="straightConnector1">
@@ -3185,13 +3185,13 @@
       </p:cxnSp>
       <p:cxnSp>
         <p:nvCxnSpPr>
-          <p:cNvPr id="10" name="9 Conector recto de flecha"/>
+          <p:cNvPr id="40" name="39 Conector recto de flecha"/>
           <p:cNvCxnSpPr/>
           <p:nvPr/>
         </p:nvCxnSpPr>
         <p:spPr>
           <a:xfrm>
-            <a:off x="2339752" y="4725144"/>
+            <a:off x="1188021" y="4058875"/>
             <a:ext cx="4968552" cy="0"/>
           </a:xfrm>
           <a:prstGeom prst="straightConnector1">
@@ -3223,13 +3223,13 @@
       </p:cxnSp>
       <p:cxnSp>
         <p:nvCxnSpPr>
-          <p:cNvPr id="12" name="11 Conector recto"/>
+          <p:cNvPr id="41" name="40 Conector recto"/>
           <p:cNvCxnSpPr/>
           <p:nvPr/>
         </p:nvCxnSpPr>
         <p:spPr>
           <a:xfrm>
-            <a:off x="4499992" y="404664"/>
+            <a:off x="3348261" y="-261605"/>
             <a:ext cx="0" cy="4536504"/>
           </a:xfrm>
           <a:prstGeom prst="line">
@@ -3261,13 +3261,13 @@
       </p:cxnSp>
       <p:sp>
         <p:nvSpPr>
-          <p:cNvPr id="14" name="13 CuadroTexto"/>
+          <p:cNvPr id="42" name="41 CuadroTexto"/>
           <p:cNvSpPr txBox="1"/>
           <p:nvPr/>
         </p:nvSpPr>
         <p:spPr>
           <a:xfrm>
-            <a:off x="1799692" y="692696"/>
+            <a:off x="647961" y="26427"/>
             <a:ext cx="360040" cy="369332"/>
           </a:xfrm>
           <a:prstGeom prst="rect">
@@ -3303,13 +3303,13 @@
       </p:sp>
       <p:sp>
         <p:nvSpPr>
-          <p:cNvPr id="15" name="14 CuadroTexto"/>
+          <p:cNvPr id="43" name="42 CuadroTexto"/>
           <p:cNvSpPr txBox="1"/>
           <p:nvPr/>
         </p:nvSpPr>
         <p:spPr>
           <a:xfrm>
-            <a:off x="4375479" y="5085184"/>
+            <a:off x="3223748" y="4418915"/>
             <a:ext cx="288032" cy="369332"/>
           </a:xfrm>
           <a:prstGeom prst="rect">
@@ -3345,13 +3345,13 @@
       </p:sp>
       <p:cxnSp>
         <p:nvCxnSpPr>
-          <p:cNvPr id="17" name="16 Conector recto de flecha"/>
+          <p:cNvPr id="44" name="43 Conector recto de flecha"/>
           <p:cNvCxnSpPr/>
           <p:nvPr/>
         </p:nvCxnSpPr>
         <p:spPr>
           <a:xfrm flipH="1">
-            <a:off x="3635896" y="5269850"/>
+            <a:off x="2484165" y="4603581"/>
             <a:ext cx="576064" cy="0"/>
           </a:xfrm>
           <a:prstGeom prst="straightConnector1">
@@ -3383,13 +3383,13 @@
       </p:cxnSp>
       <p:cxnSp>
         <p:nvCxnSpPr>
-          <p:cNvPr id="18" name="17 Conector recto de flecha"/>
+          <p:cNvPr id="45" name="44 Conector recto de flecha"/>
           <p:cNvCxnSpPr/>
           <p:nvPr/>
         </p:nvCxnSpPr>
         <p:spPr>
           <a:xfrm>
-            <a:off x="4824028" y="5269850"/>
+            <a:off x="3672297" y="4603581"/>
             <a:ext cx="531676" cy="0"/>
           </a:xfrm>
           <a:prstGeom prst="straightConnector1">
@@ -3421,13 +3421,13 @@
       </p:cxnSp>
       <p:sp>
         <p:nvSpPr>
-          <p:cNvPr id="22" name="21 CuadroTexto"/>
+          <p:cNvPr id="46" name="45 CuadroTexto"/>
           <p:cNvSpPr txBox="1"/>
           <p:nvPr/>
         </p:nvSpPr>
         <p:spPr>
           <a:xfrm>
-            <a:off x="7236296" y="4941168"/>
+            <a:off x="6084565" y="4274899"/>
             <a:ext cx="432048" cy="369332"/>
           </a:xfrm>
           <a:prstGeom prst="rect">
@@ -3463,13 +3463,13 @@
       </p:sp>
       <p:sp>
         <p:nvSpPr>
-          <p:cNvPr id="23" name="22 CuadroTexto"/>
+          <p:cNvPr id="47" name="46 CuadroTexto"/>
           <p:cNvSpPr txBox="1"/>
           <p:nvPr/>
         </p:nvSpPr>
         <p:spPr>
           <a:xfrm>
-            <a:off x="1799692" y="4376967"/>
+            <a:off x="647961" y="3710698"/>
             <a:ext cx="360040" cy="369332"/>
           </a:xfrm>
           <a:prstGeom prst="rect">
@@ -3505,13 +3505,13 @@
       </p:sp>
       <p:cxnSp>
         <p:nvCxnSpPr>
-          <p:cNvPr id="25" name="24 Conector recto de flecha"/>
+          <p:cNvPr id="48" name="47 Conector recto de flecha"/>
           <p:cNvCxnSpPr/>
           <p:nvPr/>
         </p:nvCxnSpPr>
         <p:spPr>
           <a:xfrm flipV="1">
-            <a:off x="1964369" y="3933055"/>
+            <a:off x="812638" y="3266786"/>
             <a:ext cx="0" cy="443911"/>
           </a:xfrm>
           <a:prstGeom prst="straightConnector1">
@@ -3543,13 +3543,13 @@
       </p:cxnSp>
       <p:sp>
         <p:nvSpPr>
-          <p:cNvPr id="26" name="25 CuadroTexto"/>
+          <p:cNvPr id="49" name="48 CuadroTexto"/>
           <p:cNvSpPr txBox="1"/>
           <p:nvPr/>
         </p:nvSpPr>
         <p:spPr>
           <a:xfrm>
-            <a:off x="1799692" y="3573016"/>
+            <a:off x="647961" y="2906747"/>
             <a:ext cx="360040" cy="369332"/>
           </a:xfrm>
           <a:prstGeom prst="rect">
@@ -3585,13 +3585,13 @@
       </p:sp>
       <p:sp>
         <p:nvSpPr>
-          <p:cNvPr id="27" name="26 CuadroTexto"/>
+          <p:cNvPr id="50" name="49 CuadroTexto"/>
           <p:cNvSpPr txBox="1"/>
           <p:nvPr/>
         </p:nvSpPr>
         <p:spPr>
           <a:xfrm>
-            <a:off x="3090989" y="5074625"/>
+            <a:off x="1939258" y="4408356"/>
             <a:ext cx="432048" cy="369332"/>
           </a:xfrm>
           <a:prstGeom prst="rect">
@@ -3615,25 +3615,18 @@
               </a:rPr>
               <a:t>-</a:t>
             </a:r>
-            <a:endParaRPr lang="es-ES" b="1" dirty="0">
-              <a:solidFill>
-                <a:schemeClr val="bg1">
-                  <a:lumMod val="50000"/>
-                </a:schemeClr>
-              </a:solidFill>
-            </a:endParaRPr>
-          </a:p>
-        </p:txBody>
-      </p:sp>
-      <p:sp>
-        <p:nvSpPr>
-          <p:cNvPr id="28" name="27 CuadroTexto"/>
+          </a:p>
+        </p:txBody>
+      </p:sp>
+      <p:sp>
+        <p:nvSpPr>
+          <p:cNvPr id="51" name="50 CuadroTexto"/>
           <p:cNvSpPr txBox="1"/>
           <p:nvPr/>
         </p:nvSpPr>
         <p:spPr>
           <a:xfrm>
-            <a:off x="5652120" y="5085184"/>
+            <a:off x="4500389" y="4418915"/>
             <a:ext cx="432048" cy="369332"/>
           </a:xfrm>
           <a:prstGeom prst="rect">
